--- a/materials/slides/ch02/02 性能测试工具选型.pptx
+++ b/materials/slides/ch02/02 性能测试工具选型.pptx
@@ -31,7 +31,7 @@
     <p:sldId id="293" r:id="rId22"/>
     <p:sldId id="294" r:id="rId23"/>
   </p:sldIdLst>
-  <p:sldSz cx="9144000" cy="6858000" type="screen4x3"/>
+  <p:sldSz cx="9144000" cy="5143500" type="screen16x9"/>
   <p:notesSz cx="6858000" cy="9144000"/>
   <p:defaultTextStyle>
     <a:defPPr>
@@ -1339,7 +1339,7 @@
       <dsp:spPr>
         <a:xfrm>
           <a:off x="617291" y="0"/>
-          <a:ext cx="6995969" cy="5040732"/>
+          <a:ext cx="6995969" cy="3780550"/>
         </a:xfrm>
         <a:prstGeom prst="rightArrow">
           <a:avLst/>
@@ -1378,8 +1378,8 @@
       </dsp:nvSpPr>
       <dsp:spPr>
         <a:xfrm>
-          <a:off x="48411" y="1512381"/>
-          <a:ext cx="1289602" cy="2016293"/>
+          <a:off x="33244" y="1134285"/>
+          <a:ext cx="1388938" cy="1512220"/>
         </a:xfrm>
         <a:prstGeom prst="roundRect">
           <a:avLst/>
@@ -1450,8 +1450,8 @@
         </a:p>
       </dsp:txBody>
       <dsp:txXfrm>
-        <a:off x="111364" y="1575334"/>
-        <a:ext cx="1163696" cy="1890387"/>
+        <a:off x="101046" y="1202087"/>
+        <a:ext cx="1253334" cy="1376616"/>
       </dsp:txXfrm>
     </dsp:sp>
     <dsp:sp modelId="{2E9A4349-5FE6-4B9E-9FC7-07A6CCD1B938}">
@@ -1461,8 +1461,8 @@
       </dsp:nvSpPr>
       <dsp:spPr>
         <a:xfrm>
-          <a:off x="1574185" y="1656566"/>
-          <a:ext cx="1190404" cy="1727600"/>
+          <a:off x="1570174" y="1242424"/>
+          <a:ext cx="1282098" cy="1295700"/>
         </a:xfrm>
         <a:prstGeom prst="roundRect">
           <a:avLst/>
@@ -1533,8 +1533,8 @@
         </a:p>
       </dsp:txBody>
       <dsp:txXfrm>
-        <a:off x="1632296" y="1714677"/>
-        <a:ext cx="1074182" cy="1611378"/>
+        <a:off x="1632761" y="1305011"/>
+        <a:ext cx="1156924" cy="1170526"/>
       </dsp:txXfrm>
     </dsp:sp>
     <dsp:sp modelId="{ECA76F96-5A9B-4E68-AF97-BCF0F5414D99}">
@@ -1544,8 +1544,8 @@
       </dsp:nvSpPr>
       <dsp:spPr>
         <a:xfrm>
-          <a:off x="3048371" y="1656374"/>
-          <a:ext cx="1232090" cy="1727983"/>
+          <a:off x="3030097" y="1242281"/>
+          <a:ext cx="1326995" cy="1295987"/>
         </a:xfrm>
         <a:prstGeom prst="roundRect">
           <a:avLst/>
@@ -1616,8 +1616,8 @@
         </a:p>
       </dsp:txBody>
       <dsp:txXfrm>
-        <a:off x="3108517" y="1716520"/>
-        <a:ext cx="1111798" cy="1607691"/>
+        <a:off x="3093362" y="1305546"/>
+        <a:ext cx="1200465" cy="1169457"/>
       </dsp:txXfrm>
     </dsp:sp>
     <dsp:sp modelId="{3D8B4018-5906-4153-8AED-20F1E0E2B736}">
@@ -1627,8 +1627,8 @@
       </dsp:nvSpPr>
       <dsp:spPr>
         <a:xfrm>
-          <a:off x="4611853" y="1656374"/>
-          <a:ext cx="1094717" cy="1728306"/>
+          <a:off x="4564752" y="1242281"/>
+          <a:ext cx="1179041" cy="1296229"/>
         </a:xfrm>
         <a:prstGeom prst="roundRect">
           <a:avLst/>
@@ -1699,8 +1699,8 @@
         </a:p>
       </dsp:txBody>
       <dsp:txXfrm>
-        <a:off x="4665293" y="1709814"/>
-        <a:ext cx="987837" cy="1621426"/>
+        <a:off x="4622308" y="1299837"/>
+        <a:ext cx="1063929" cy="1181117"/>
       </dsp:txXfrm>
     </dsp:sp>
     <dsp:sp modelId="{D5D7C095-40D2-4B88-A6A2-942E91821538}">
@@ -1710,8 +1710,8 @@
       </dsp:nvSpPr>
       <dsp:spPr>
         <a:xfrm>
-          <a:off x="5990352" y="1728366"/>
-          <a:ext cx="940348" cy="1584322"/>
+          <a:off x="5921618" y="1296274"/>
+          <a:ext cx="1012781" cy="1188241"/>
         </a:xfrm>
         <a:prstGeom prst="roundRect">
           <a:avLst/>
@@ -1782,8 +1782,8 @@
         </a:p>
       </dsp:txBody>
       <dsp:txXfrm>
-        <a:off x="6036256" y="1774270"/>
-        <a:ext cx="848540" cy="1492514"/>
+        <a:off x="5971058" y="1345714"/>
+        <a:ext cx="913901" cy="1089361"/>
       </dsp:txXfrm>
     </dsp:sp>
     <dsp:sp modelId="{0411C335-18AD-4E3D-9CF8-DFB4583A6051}">
@@ -1793,8 +1793,8 @@
       </dsp:nvSpPr>
       <dsp:spPr>
         <a:xfrm>
-          <a:off x="7167673" y="1800358"/>
-          <a:ext cx="1062878" cy="1440339"/>
+          <a:off x="7085802" y="1350268"/>
+          <a:ext cx="1144749" cy="1080254"/>
         </a:xfrm>
         <a:prstGeom prst="roundRect">
           <a:avLst/>
@@ -1865,8 +1865,8 @@
         </a:p>
       </dsp:txBody>
       <dsp:txXfrm>
-        <a:off x="7219558" y="1852243"/>
-        <a:ext cx="959108" cy="1336569"/>
+        <a:off x="7138536" y="1403002"/>
+        <a:ext cx="1039281" cy="974786"/>
       </dsp:txXfrm>
     </dsp:sp>
   </dsp:spTree>
@@ -3161,8 +3161,8 @@
         </p:nvSpPr>
         <p:spPr>
           <a:xfrm>
-            <a:off x="1143000" y="685800"/>
-            <a:ext cx="4572000" cy="3429000"/>
+            <a:off x="381000" y="685800"/>
+            <a:ext cx="6096000" cy="3429000"/>
           </a:xfrm>
           <a:prstGeom prst="rect">
             <a:avLst/>
@@ -3438,7 +3438,12 @@
             <p:ph type="sldImg"/>
           </p:nvPr>
         </p:nvSpPr>
-        <p:spPr/>
+        <p:spPr>
+          <a:xfrm>
+            <a:off x="381000" y="685800"/>
+            <a:ext cx="6096000" cy="3429000"/>
+          </a:xfrm>
+        </p:spPr>
       </p:sp>
       <p:sp>
         <p:nvSpPr>
@@ -3525,7 +3530,12 @@
             <p:ph type="sldImg"/>
           </p:nvPr>
         </p:nvSpPr>
-        <p:spPr/>
+        <p:spPr>
+          <a:xfrm>
+            <a:off x="381000" y="685800"/>
+            <a:ext cx="6096000" cy="3429000"/>
+          </a:xfrm>
+        </p:spPr>
       </p:sp>
       <p:sp>
         <p:nvSpPr>
@@ -3609,7 +3619,12 @@
             <p:ph type="sldImg"/>
           </p:nvPr>
         </p:nvSpPr>
-        <p:spPr/>
+        <p:spPr>
+          <a:xfrm>
+            <a:off x="381000" y="685800"/>
+            <a:ext cx="6096000" cy="3429000"/>
+          </a:xfrm>
+        </p:spPr>
       </p:sp>
       <p:sp>
         <p:nvSpPr>
@@ -3720,6 +3735,10 @@
           </p:nvPr>
         </p:nvSpPr>
         <p:spPr>
+          <a:xfrm>
+            <a:off x="381000" y="685800"/>
+            <a:ext cx="6096000" cy="3429000"/>
+          </a:xfrm>
           <a:ln/>
         </p:spPr>
       </p:sp>
@@ -3777,7 +3796,12 @@
             <p:ph type="sldImg"/>
           </p:nvPr>
         </p:nvSpPr>
-        <p:spPr/>
+        <p:spPr>
+          <a:xfrm>
+            <a:off x="381000" y="685800"/>
+            <a:ext cx="6096000" cy="3429000"/>
+          </a:xfrm>
+        </p:spPr>
       </p:sp>
       <p:sp>
         <p:nvSpPr>
@@ -3927,8 +3951,8 @@
         </p:nvSpPr>
         <p:spPr>
           <a:xfrm>
-            <a:off x="2106" y="818866"/>
-            <a:ext cx="9144000" cy="6210887"/>
+            <a:off x="2106" y="614150"/>
+            <a:ext cx="9144000" cy="4658165"/>
           </a:xfrm>
           <a:prstGeom prst="rect">
             <a:avLst/>
@@ -3973,8 +3997,8 @@
         </p:nvSpPr>
         <p:spPr>
           <a:xfrm>
-            <a:off x="0" y="-1"/>
-            <a:ext cx="9145588" cy="818867"/>
+            <a:off x="0" y="0"/>
+            <a:ext cx="9145588" cy="614150"/>
           </a:xfrm>
           <a:prstGeom prst="rect">
             <a:avLst/>
@@ -4023,8 +4047,8 @@
         </p:nvSpPr>
         <p:spPr>
           <a:xfrm>
-            <a:off x="685800" y="2130425"/>
-            <a:ext cx="7772400" cy="1470025"/>
+            <a:off x="685800" y="1597819"/>
+            <a:ext cx="7772400" cy="1102519"/>
           </a:xfrm>
         </p:spPr>
         <p:txBody>
@@ -4063,8 +4087,8 @@
         </p:nvSpPr>
         <p:spPr>
           <a:xfrm>
-            <a:off x="1371600" y="3886200"/>
-            <a:ext cx="6400800" cy="1752600"/>
+            <a:off x="1371600" y="2914650"/>
+            <a:ext cx="6400800" cy="1314450"/>
           </a:xfrm>
         </p:spPr>
         <p:txBody>
@@ -4320,8 +4344,8 @@
         </p:nvSpPr>
         <p:spPr>
           <a:xfrm>
-            <a:off x="0" y="-1"/>
-            <a:ext cx="9145588" cy="818867"/>
+            <a:off x="0" y="0"/>
+            <a:ext cx="9145588" cy="614150"/>
           </a:xfrm>
           <a:prstGeom prst="rect">
             <a:avLst/>
@@ -4370,8 +4394,8 @@
         </p:nvSpPr>
         <p:spPr>
           <a:xfrm>
-            <a:off x="14265" y="-1"/>
-            <a:ext cx="9022231" cy="818867"/>
+            <a:off x="14265" y="0"/>
+            <a:ext cx="9022231" cy="614150"/>
           </a:xfrm>
         </p:spPr>
         <p:txBody>
@@ -4440,8 +4464,8 @@
         </p:nvSpPr>
         <p:spPr>
           <a:xfrm>
-            <a:off x="457200" y="274638"/>
-            <a:ext cx="8229600" cy="1143000"/>
+            <a:off x="457200" y="205978"/>
+            <a:ext cx="8229600" cy="857250"/>
           </a:xfrm>
           <a:prstGeom prst="rect">
             <a:avLst/>
@@ -4473,8 +4497,8 @@
         </p:nvSpPr>
         <p:spPr>
           <a:xfrm>
-            <a:off x="457200" y="1600200"/>
-            <a:ext cx="8229600" cy="4525963"/>
+            <a:off x="457200" y="1200151"/>
+            <a:ext cx="8229600" cy="3394472"/>
           </a:xfrm>
           <a:prstGeom prst="rect">
             <a:avLst/>
@@ -4535,8 +4559,8 @@
         </p:nvSpPr>
         <p:spPr>
           <a:xfrm>
-            <a:off x="457200" y="6356350"/>
-            <a:ext cx="2133600" cy="365125"/>
+            <a:off x="457200" y="4767263"/>
+            <a:ext cx="2133600" cy="273844"/>
           </a:xfrm>
           <a:prstGeom prst="rect">
             <a:avLst/>
@@ -4576,8 +4600,8 @@
         </p:nvSpPr>
         <p:spPr>
           <a:xfrm>
-            <a:off x="3124200" y="6356350"/>
-            <a:ext cx="2895600" cy="365125"/>
+            <a:off x="3124200" y="4767263"/>
+            <a:ext cx="2895600" cy="273844"/>
           </a:xfrm>
           <a:prstGeom prst="rect">
             <a:avLst/>
@@ -4613,8 +4637,8 @@
         </p:nvSpPr>
         <p:spPr>
           <a:xfrm>
-            <a:off x="6553200" y="6356350"/>
-            <a:ext cx="2133600" cy="365125"/>
+            <a:off x="6553200" y="4767263"/>
+            <a:ext cx="2133600" cy="273844"/>
           </a:xfrm>
           <a:prstGeom prst="rect">
             <a:avLst/>
@@ -4928,7 +4952,7 @@
         <p:spPr bwMode="auto">
           <a:xfrm>
             <a:off x="0" y="0"/>
-            <a:ext cx="9144000" cy="6858000"/>
+            <a:ext cx="9144000" cy="5143500"/>
           </a:xfrm>
           <a:prstGeom prst="rect">
             <a:avLst/>
@@ -4992,8 +5016,8 @@
         </p:nvSpPr>
         <p:spPr bwMode="auto">
           <a:xfrm>
-            <a:off x="1835696" y="1844824"/>
-            <a:ext cx="7488832" cy="2116137"/>
+            <a:off x="1835696" y="1383618"/>
+            <a:ext cx="7488832" cy="1587103"/>
           </a:xfrm>
           <a:prstGeom prst="rect">
             <a:avLst/>
@@ -5234,8 +5258,8 @@
         </p:nvCxnSpPr>
         <p:spPr bwMode="auto">
           <a:xfrm flipV="1">
-            <a:off x="4595000" y="1265627"/>
-            <a:ext cx="2021383" cy="8313"/>
+            <a:off x="4595001" y="949221"/>
+            <a:ext cx="2021383" cy="6235"/>
           </a:xfrm>
           <a:prstGeom prst="straightConnector1">
             <a:avLst/>
@@ -5263,8 +5287,8 @@
         </p:nvSpPr>
         <p:spPr bwMode="auto">
           <a:xfrm>
-            <a:off x="5423508" y="2515307"/>
-            <a:ext cx="3322320" cy="2057400"/>
+            <a:off x="5423508" y="1886480"/>
+            <a:ext cx="3322320" cy="1543050"/>
           </a:xfrm>
           <a:prstGeom prst="ellipse">
             <a:avLst/>
@@ -5351,7 +5375,9 @@
         </p:nvSpPr>
         <p:spPr/>
         <p:txBody>
-          <a:bodyPr/>
+          <a:bodyPr>
+            <a:normAutofit fontScale="90000"/>
+          </a:bodyPr>
           <a:lstStyle/>
           <a:p>
             <a:r>
@@ -5421,8 +5447,8 @@
         </p:blipFill>
         <p:spPr bwMode="auto">
           <a:xfrm>
-            <a:off x="6511792" y="5359961"/>
-            <a:ext cx="797142" cy="703859"/>
+            <a:off x="6511792" y="4019971"/>
+            <a:ext cx="797142" cy="527894"/>
           </a:xfrm>
           <a:prstGeom prst="rect">
             <a:avLst/>
@@ -5454,8 +5480,8 @@
         </p:blipFill>
         <p:spPr bwMode="auto">
           <a:xfrm>
-            <a:off x="2496173" y="3963107"/>
-            <a:ext cx="886264" cy="899160"/>
+            <a:off x="2496173" y="2972330"/>
+            <a:ext cx="886264" cy="674370"/>
           </a:xfrm>
           <a:prstGeom prst="rect">
             <a:avLst/>
@@ -5487,8 +5513,8 @@
         </p:blipFill>
         <p:spPr bwMode="auto">
           <a:xfrm>
-            <a:off x="4289217" y="857232"/>
-            <a:ext cx="800099" cy="788987"/>
+            <a:off x="4289218" y="642924"/>
+            <a:ext cx="800099" cy="591740"/>
           </a:xfrm>
           <a:prstGeom prst="rect">
             <a:avLst/>
@@ -5520,8 +5546,8 @@
         </p:blipFill>
         <p:spPr bwMode="auto">
           <a:xfrm>
-            <a:off x="4413315" y="5112127"/>
-            <a:ext cx="854528" cy="842659"/>
+            <a:off x="4413315" y="3834096"/>
+            <a:ext cx="854528" cy="631994"/>
           </a:xfrm>
           <a:prstGeom prst="rect">
             <a:avLst/>
@@ -5544,7 +5570,7 @@
         </p:nvSpPr>
         <p:spPr>
           <a:xfrm>
-            <a:off x="6491422" y="4162318"/>
+            <a:off x="6491422" y="3121738"/>
             <a:ext cx="1370486" cy="338554"/>
           </a:xfrm>
           <a:prstGeom prst="rect">
@@ -5591,8 +5617,8 @@
         </p:blipFill>
         <p:spPr bwMode="auto">
           <a:xfrm>
-            <a:off x="5760693" y="2943932"/>
-            <a:ext cx="2647950" cy="1123950"/>
+            <a:off x="5760693" y="2207949"/>
+            <a:ext cx="2647950" cy="842963"/>
           </a:xfrm>
           <a:prstGeom prst="rect">
             <a:avLst/>
@@ -5615,8 +5641,8 @@
         </p:nvCxnSpPr>
         <p:spPr bwMode="auto">
           <a:xfrm flipV="1">
-            <a:off x="5164428" y="5578548"/>
-            <a:ext cx="1432560" cy="45719"/>
+            <a:off x="5164428" y="4183912"/>
+            <a:ext cx="1432560" cy="34289"/>
           </a:xfrm>
           <a:prstGeom prst="straightConnector1">
             <a:avLst/>
@@ -5644,8 +5670,8 @@
         </p:nvCxnSpPr>
         <p:spPr bwMode="auto">
           <a:xfrm rot="5400000" flipH="1" flipV="1">
-            <a:off x="4777011" y="4162030"/>
-            <a:ext cx="1377215" cy="785261"/>
+            <a:off x="4949164" y="3023365"/>
+            <a:ext cx="1032911" cy="785261"/>
           </a:xfrm>
           <a:prstGeom prst="straightConnector1">
             <a:avLst/>
@@ -5682,8 +5708,8 @@
         </p:blipFill>
         <p:spPr bwMode="auto">
           <a:xfrm>
-            <a:off x="2480933" y="2896307"/>
-            <a:ext cx="886264" cy="899160"/>
+            <a:off x="2480933" y="2172230"/>
+            <a:ext cx="886264" cy="674370"/>
           </a:xfrm>
           <a:prstGeom prst="rect">
             <a:avLst/>
@@ -5715,8 +5741,8 @@
         </p:blipFill>
         <p:spPr bwMode="auto">
           <a:xfrm>
-            <a:off x="2496173" y="1875227"/>
-            <a:ext cx="886264" cy="899160"/>
+            <a:off x="2496173" y="1406420"/>
+            <a:ext cx="886264" cy="674370"/>
           </a:xfrm>
           <a:prstGeom prst="rect">
             <a:avLst/>
@@ -5739,8 +5765,8 @@
         </p:nvSpPr>
         <p:spPr bwMode="auto">
           <a:xfrm>
-            <a:off x="851508" y="1585667"/>
-            <a:ext cx="1386840" cy="1173480"/>
+            <a:off x="851508" y="1189250"/>
+            <a:ext cx="1386840" cy="880110"/>
           </a:xfrm>
           <a:prstGeom prst="cloudCallout">
             <a:avLst>
@@ -5807,8 +5833,8 @@
         </p:nvSpPr>
         <p:spPr bwMode="auto">
           <a:xfrm>
-            <a:off x="805788" y="2865827"/>
-            <a:ext cx="1386840" cy="1173480"/>
+            <a:off x="805788" y="2149370"/>
+            <a:ext cx="1386840" cy="880110"/>
           </a:xfrm>
           <a:prstGeom prst="cloudCallout">
             <a:avLst>
@@ -5875,8 +5901,8 @@
         </p:nvSpPr>
         <p:spPr bwMode="auto">
           <a:xfrm>
-            <a:off x="714348" y="4130747"/>
-            <a:ext cx="1524000" cy="1264920"/>
+            <a:off x="714348" y="3098060"/>
+            <a:ext cx="1524000" cy="948690"/>
           </a:xfrm>
           <a:prstGeom prst="cloudCallout">
             <a:avLst>
@@ -5952,8 +5978,8 @@
         </p:blipFill>
         <p:spPr bwMode="auto">
           <a:xfrm>
-            <a:off x="4235031" y="1189427"/>
-            <a:ext cx="456958" cy="411480"/>
+            <a:off x="4235031" y="892070"/>
+            <a:ext cx="456958" cy="308610"/>
           </a:xfrm>
           <a:prstGeom prst="rect">
             <a:avLst/>
@@ -5985,8 +6011,8 @@
         </p:blipFill>
         <p:spPr bwMode="auto">
           <a:xfrm>
-            <a:off x="3228948" y="1037027"/>
-            <a:ext cx="1039602" cy="409874"/>
+            <a:off x="3228948" y="777770"/>
+            <a:ext cx="1039602" cy="307406"/>
           </a:xfrm>
           <a:prstGeom prst="rect">
             <a:avLst/>
@@ -6009,8 +6035,8 @@
         </p:nvCxnSpPr>
         <p:spPr bwMode="auto">
           <a:xfrm rot="10800000">
-            <a:off x="3228949" y="1318165"/>
-            <a:ext cx="1184367" cy="4291493"/>
+            <a:off x="3228950" y="988624"/>
+            <a:ext cx="1184367" cy="3218620"/>
           </a:xfrm>
           <a:prstGeom prst="bentConnector3">
             <a:avLst>
@@ -6042,8 +6068,8 @@
         </p:nvCxnSpPr>
         <p:spPr bwMode="auto">
           <a:xfrm flipV="1">
-            <a:off x="3382437" y="1631387"/>
-            <a:ext cx="1065711" cy="693420"/>
+            <a:off x="3382438" y="1223540"/>
+            <a:ext cx="1065711" cy="520065"/>
           </a:xfrm>
           <a:prstGeom prst="straightConnector1">
             <a:avLst/>
@@ -6074,8 +6100,8 @@
         </p:nvCxnSpPr>
         <p:spPr bwMode="auto">
           <a:xfrm flipV="1">
-            <a:off x="3367197" y="1600907"/>
-            <a:ext cx="1096313" cy="1744980"/>
+            <a:off x="3367198" y="1200680"/>
+            <a:ext cx="1096313" cy="1308735"/>
           </a:xfrm>
           <a:prstGeom prst="straightConnector1">
             <a:avLst/>
@@ -6105,8 +6131,8 @@
         </p:nvCxnSpPr>
         <p:spPr bwMode="auto">
           <a:xfrm flipV="1">
-            <a:off x="3382437" y="1692347"/>
-            <a:ext cx="1065711" cy="2720340"/>
+            <a:off x="3382438" y="1269260"/>
+            <a:ext cx="1065711" cy="2040255"/>
           </a:xfrm>
           <a:prstGeom prst="straightConnector1">
             <a:avLst/>
@@ -6136,8 +6162,8 @@
         </p:nvCxnSpPr>
         <p:spPr bwMode="auto">
           <a:xfrm>
-            <a:off x="3457548" y="2317187"/>
-            <a:ext cx="1965960" cy="1226820"/>
+            <a:off x="3457548" y="1737890"/>
+            <a:ext cx="1965960" cy="920115"/>
           </a:xfrm>
           <a:prstGeom prst="straightConnector1">
             <a:avLst/>
@@ -6168,8 +6194,8 @@
         </p:nvCxnSpPr>
         <p:spPr bwMode="auto">
           <a:xfrm>
-            <a:off x="3367197" y="3345887"/>
-            <a:ext cx="2056311" cy="198120"/>
+            <a:off x="3367198" y="2509415"/>
+            <a:ext cx="2056311" cy="148590"/>
           </a:xfrm>
           <a:prstGeom prst="straightConnector1">
             <a:avLst/>
@@ -6199,8 +6225,8 @@
         </p:nvCxnSpPr>
         <p:spPr bwMode="auto">
           <a:xfrm flipV="1">
-            <a:off x="3382437" y="3582107"/>
-            <a:ext cx="2010591" cy="830580"/>
+            <a:off x="3382438" y="2686580"/>
+            <a:ext cx="2010591" cy="622935"/>
           </a:xfrm>
           <a:prstGeom prst="straightConnector1">
             <a:avLst/>
@@ -6237,8 +6263,8 @@
         </p:blipFill>
         <p:spPr bwMode="auto">
           <a:xfrm>
-            <a:off x="6727617" y="872472"/>
-            <a:ext cx="800099" cy="788987"/>
+            <a:off x="6727618" y="654355"/>
+            <a:ext cx="800099" cy="591740"/>
           </a:xfrm>
           <a:prstGeom prst="rect">
             <a:avLst/>
@@ -6270,8 +6296,8 @@
         </p:blipFill>
         <p:spPr bwMode="auto">
           <a:xfrm>
-            <a:off x="6645414" y="1198250"/>
-            <a:ext cx="515454" cy="483803"/>
+            <a:off x="6645414" y="898688"/>
+            <a:ext cx="515454" cy="362852"/>
           </a:xfrm>
           <a:prstGeom prst="rect">
             <a:avLst/>
@@ -6303,8 +6329,8 @@
         </p:blipFill>
         <p:spPr bwMode="auto">
           <a:xfrm>
-            <a:off x="7511388" y="1128467"/>
-            <a:ext cx="887127" cy="333974"/>
+            <a:off x="7511389" y="846350"/>
+            <a:ext cx="887127" cy="250481"/>
           </a:xfrm>
           <a:prstGeom prst="rect">
             <a:avLst/>
@@ -6327,7 +6353,7 @@
         </p:nvSpPr>
         <p:spPr>
           <a:xfrm>
-            <a:off x="2207868" y="4892747"/>
+            <a:off x="2207868" y="3669560"/>
             <a:ext cx="1767840" cy="338554"/>
           </a:xfrm>
           <a:prstGeom prst="rect">
@@ -6369,7 +6395,7 @@
         </p:nvSpPr>
         <p:spPr>
           <a:xfrm>
-            <a:off x="4539588" y="5913827"/>
+            <a:off x="4539588" y="4435370"/>
             <a:ext cx="1767840" cy="338554"/>
           </a:xfrm>
           <a:prstGeom prst="rect">
@@ -6411,8 +6437,8 @@
         </p:nvCxnSpPr>
         <p:spPr bwMode="auto">
           <a:xfrm rot="16200000" flipH="1">
-            <a:off x="5350335" y="4357929"/>
-            <a:ext cx="1749583" cy="765833"/>
+            <a:off x="5569034" y="3172718"/>
+            <a:ext cx="1312187" cy="765833"/>
           </a:xfrm>
           <a:prstGeom prst="straightConnector1">
             <a:avLst/>
@@ -6440,8 +6466,8 @@
         </p:nvSpPr>
         <p:spPr bwMode="auto">
           <a:xfrm>
-            <a:off x="5941668" y="4664147"/>
-            <a:ext cx="579120" cy="365760"/>
+            <a:off x="5941668" y="3498110"/>
+            <a:ext cx="579120" cy="274320"/>
           </a:xfrm>
           <a:prstGeom prst="mathMultiply">
             <a:avLst/>
@@ -6513,8 +6539,8 @@
         </p:blipFill>
         <p:spPr>
           <a:xfrm>
-            <a:off x="1556358" y="1859988"/>
-            <a:ext cx="589280" cy="441960"/>
+            <a:off x="1556358" y="1394991"/>
+            <a:ext cx="589280" cy="331470"/>
           </a:xfrm>
           <a:prstGeom prst="rect">
             <a:avLst/>
@@ -6537,8 +6563,8 @@
         </p:blipFill>
         <p:spPr>
           <a:xfrm>
-            <a:off x="1495398" y="3140148"/>
-            <a:ext cx="589280" cy="441960"/>
+            <a:off x="1495398" y="2355111"/>
+            <a:ext cx="589280" cy="331470"/>
           </a:xfrm>
           <a:prstGeom prst="rect">
             <a:avLst/>
@@ -6561,8 +6587,8 @@
         </p:blipFill>
         <p:spPr>
           <a:xfrm>
-            <a:off x="1083918" y="1768548"/>
-            <a:ext cx="589280" cy="441960"/>
+            <a:off x="1083918" y="1326411"/>
+            <a:ext cx="589280" cy="331470"/>
           </a:xfrm>
           <a:prstGeom prst="rect">
             <a:avLst/>
@@ -6585,8 +6611,8 @@
         </p:blipFill>
         <p:spPr>
           <a:xfrm>
-            <a:off x="1099158" y="2164788"/>
-            <a:ext cx="589280" cy="441960"/>
+            <a:off x="1099158" y="1623591"/>
+            <a:ext cx="589280" cy="331470"/>
           </a:xfrm>
           <a:prstGeom prst="rect">
             <a:avLst/>
@@ -6609,8 +6635,8 @@
         </p:blipFill>
         <p:spPr>
           <a:xfrm>
-            <a:off x="1495398" y="4450788"/>
-            <a:ext cx="589280" cy="441960"/>
+            <a:off x="1495398" y="3338091"/>
+            <a:ext cx="589280" cy="331470"/>
           </a:xfrm>
           <a:prstGeom prst="rect">
             <a:avLst/>
@@ -6633,8 +6659,8 @@
         </p:blipFill>
         <p:spPr>
           <a:xfrm>
-            <a:off x="1022958" y="4359348"/>
-            <a:ext cx="589280" cy="441960"/>
+            <a:off x="1022958" y="3269511"/>
+            <a:ext cx="589280" cy="331470"/>
           </a:xfrm>
           <a:prstGeom prst="rect">
             <a:avLst/>
@@ -6657,8 +6683,8 @@
         </p:blipFill>
         <p:spPr>
           <a:xfrm>
-            <a:off x="1038198" y="4755588"/>
-            <a:ext cx="589280" cy="441960"/>
+            <a:off x="1038198" y="3566691"/>
+            <a:ext cx="589280" cy="331470"/>
           </a:xfrm>
           <a:prstGeom prst="rect">
             <a:avLst/>
@@ -6681,8 +6707,8 @@
         </p:blipFill>
         <p:spPr>
           <a:xfrm>
-            <a:off x="1007718" y="3033468"/>
-            <a:ext cx="589280" cy="441960"/>
+            <a:off x="1007718" y="2275101"/>
+            <a:ext cx="589280" cy="331470"/>
           </a:xfrm>
           <a:prstGeom prst="rect">
             <a:avLst/>
@@ -6705,8 +6731,8 @@
         </p:blipFill>
         <p:spPr>
           <a:xfrm>
-            <a:off x="1022958" y="3429708"/>
-            <a:ext cx="589280" cy="441960"/>
+            <a:off x="1022958" y="2572281"/>
+            <a:ext cx="589280" cy="331470"/>
           </a:xfrm>
           <a:prstGeom prst="rect">
             <a:avLst/>
@@ -6721,8 +6747,8 @@
         </p:nvCxnSpPr>
         <p:spPr bwMode="auto">
           <a:xfrm rot="16200000" flipH="1">
-            <a:off x="4707227" y="1768548"/>
-            <a:ext cx="1508762" cy="1143000"/>
+            <a:off x="4895822" y="1183536"/>
+            <a:ext cx="1131572" cy="1143000"/>
           </a:xfrm>
           <a:prstGeom prst="straightConnector1">
             <a:avLst/>
@@ -6750,8 +6776,8 @@
         </p:nvCxnSpPr>
         <p:spPr bwMode="auto">
           <a:xfrm>
-            <a:off x="4951068" y="1646627"/>
-            <a:ext cx="2026919" cy="1478280"/>
+            <a:off x="4951069" y="1234970"/>
+            <a:ext cx="2026919" cy="1108710"/>
           </a:xfrm>
           <a:prstGeom prst="straightConnector1">
             <a:avLst/>
@@ -6779,8 +6805,8 @@
         </p:nvCxnSpPr>
         <p:spPr bwMode="auto">
           <a:xfrm>
-            <a:off x="4996788" y="1570427"/>
-            <a:ext cx="3078480" cy="1493520"/>
+            <a:off x="4996788" y="1177820"/>
+            <a:ext cx="3078480" cy="1120140"/>
           </a:xfrm>
           <a:prstGeom prst="straightConnector1">
             <a:avLst/>
@@ -6808,7 +6834,7 @@
         </p:nvSpPr>
         <p:spPr>
           <a:xfrm>
-            <a:off x="3442308" y="1753307"/>
+            <a:off x="3442308" y="1314980"/>
             <a:ext cx="1036320" cy="338554"/>
           </a:xfrm>
           <a:prstGeom prst="rect">
@@ -6846,7 +6872,7 @@
         </p:nvSpPr>
         <p:spPr>
           <a:xfrm>
-            <a:off x="3289908" y="2621987"/>
+            <a:off x="3289908" y="1966490"/>
             <a:ext cx="1036320" cy="338554"/>
           </a:xfrm>
           <a:prstGeom prst="rect">
@@ -6884,7 +6910,7 @@
         </p:nvSpPr>
         <p:spPr>
           <a:xfrm>
-            <a:off x="3183228" y="3597347"/>
+            <a:off x="3183228" y="2698010"/>
             <a:ext cx="1036320" cy="338554"/>
           </a:xfrm>
           <a:prstGeom prst="rect">
@@ -6922,7 +6948,7 @@
         </p:nvSpPr>
         <p:spPr>
           <a:xfrm>
-            <a:off x="3594708" y="2027627"/>
+            <a:off x="3594708" y="1520720"/>
             <a:ext cx="1036320" cy="338554"/>
           </a:xfrm>
           <a:prstGeom prst="rect">
@@ -6960,7 +6986,7 @@
         </p:nvSpPr>
         <p:spPr>
           <a:xfrm>
-            <a:off x="3503268" y="2865827"/>
+            <a:off x="3503268" y="2149370"/>
             <a:ext cx="1036320" cy="338554"/>
           </a:xfrm>
           <a:prstGeom prst="rect">
@@ -6998,7 +7024,7 @@
         </p:nvSpPr>
         <p:spPr>
           <a:xfrm>
-            <a:off x="3457548" y="3871667"/>
+            <a:off x="3457548" y="2903750"/>
             <a:ext cx="1036320" cy="338554"/>
           </a:xfrm>
           <a:prstGeom prst="rect">
@@ -7036,7 +7062,7 @@
         </p:nvSpPr>
         <p:spPr>
           <a:xfrm>
-            <a:off x="6182696" y="1920948"/>
+            <a:off x="6182696" y="1440711"/>
             <a:ext cx="1036320" cy="338554"/>
           </a:xfrm>
           <a:prstGeom prst="rect">
@@ -7083,8 +7109,8 @@
         </p:blipFill>
         <p:spPr bwMode="auto">
           <a:xfrm>
-            <a:off x="7354002" y="5464236"/>
-            <a:ext cx="788057" cy="695838"/>
+            <a:off x="7354003" y="4098177"/>
+            <a:ext cx="788057" cy="521879"/>
           </a:xfrm>
           <a:prstGeom prst="rect">
             <a:avLst/>
@@ -7107,8 +7133,8 @@
         </p:nvCxnSpPr>
         <p:spPr bwMode="auto">
           <a:xfrm>
-            <a:off x="5858249" y="3882094"/>
-            <a:ext cx="1812758" cy="1732548"/>
+            <a:off x="5858249" y="2911571"/>
+            <a:ext cx="1812758" cy="1299411"/>
           </a:xfrm>
           <a:prstGeom prst="straightConnector1">
             <a:avLst/>
@@ -7145,8 +7171,8 @@
         </p:blipFill>
         <p:spPr bwMode="auto">
           <a:xfrm>
-            <a:off x="8140188" y="5167459"/>
-            <a:ext cx="717936" cy="633922"/>
+            <a:off x="8140188" y="3875594"/>
+            <a:ext cx="717936" cy="475442"/>
           </a:xfrm>
           <a:prstGeom prst="rect">
             <a:avLst/>
@@ -7169,8 +7195,8 @@
         </p:nvCxnSpPr>
         <p:spPr bwMode="auto">
           <a:xfrm>
-            <a:off x="5906375" y="3866052"/>
-            <a:ext cx="2358193" cy="1443793"/>
+            <a:off x="5906376" y="2899539"/>
+            <a:ext cx="2358193" cy="1082845"/>
           </a:xfrm>
           <a:prstGeom prst="straightConnector1">
             <a:avLst/>
@@ -7198,8 +7224,8 @@
         </p:nvSpPr>
         <p:spPr bwMode="auto">
           <a:xfrm>
-            <a:off x="6575332" y="4688210"/>
-            <a:ext cx="579120" cy="365760"/>
+            <a:off x="6575332" y="3516157"/>
+            <a:ext cx="579120" cy="274320"/>
           </a:xfrm>
           <a:prstGeom prst="mathMultiply">
             <a:avLst/>
@@ -7263,8 +7289,8 @@
         </p:nvSpPr>
         <p:spPr bwMode="auto">
           <a:xfrm>
-            <a:off x="7233057" y="4672168"/>
-            <a:ext cx="579120" cy="365760"/>
+            <a:off x="7233057" y="3504126"/>
+            <a:ext cx="579120" cy="274320"/>
           </a:xfrm>
           <a:prstGeom prst="mathMultiply">
             <a:avLst/>
@@ -10715,13 +10741,13 @@
         </p:nvSpPr>
         <p:spPr>
           <a:xfrm>
-            <a:off x="70992" y="1268760"/>
-            <a:ext cx="9073008" cy="4525963"/>
+            <a:off x="70992" y="951571"/>
+            <a:ext cx="9073008" cy="3394472"/>
           </a:xfrm>
         </p:spPr>
         <p:txBody>
           <a:bodyPr>
-            <a:normAutofit/>
+            <a:normAutofit fontScale="85000" lnSpcReduction="10000"/>
           </a:bodyPr>
           <a:lstStyle/>
           <a:p>
@@ -10896,7 +10922,7 @@
         <p:spPr/>
         <p:txBody>
           <a:bodyPr>
-            <a:normAutofit/>
+            <a:normAutofit fontScale="90000"/>
           </a:bodyPr>
           <a:lstStyle/>
           <a:p>
@@ -10961,13 +10987,13 @@
         </p:nvSpPr>
         <p:spPr>
           <a:xfrm>
-            <a:off x="467544" y="1340768"/>
-            <a:ext cx="8229600" cy="4525963"/>
+            <a:off x="467544" y="1005576"/>
+            <a:ext cx="8229600" cy="3394472"/>
           </a:xfrm>
         </p:spPr>
         <p:txBody>
           <a:bodyPr>
-            <a:normAutofit/>
+            <a:normAutofit fontScale="92500"/>
           </a:bodyPr>
           <a:lstStyle/>
           <a:p>
@@ -11061,7 +11087,9 @@
         </p:nvSpPr>
         <p:spPr/>
         <p:txBody>
-          <a:bodyPr/>
+          <a:bodyPr>
+            <a:normAutofit fontScale="90000"/>
+          </a:bodyPr>
           <a:lstStyle/>
           <a:p>
             <a:r>
@@ -11241,11 +11269,13 @@
         <p:spPr>
           <a:xfrm>
             <a:off x="-20712" y="0"/>
-            <a:ext cx="9164712" cy="836712"/>
+            <a:ext cx="9164712" cy="627534"/>
           </a:xfrm>
         </p:spPr>
         <p:txBody>
-          <a:bodyPr/>
+          <a:bodyPr>
+            <a:normAutofit fontScale="90000"/>
+          </a:bodyPr>
           <a:lstStyle/>
           <a:p>
             <a:r>
@@ -11342,8 +11372,8 @@
           </p:nvPr>
         </p:nvGraphicFramePr>
         <p:xfrm>
-          <a:off x="456724" y="1196698"/>
-          <a:ext cx="8230552" cy="5040733"/>
+          <a:off x="456724" y="897524"/>
+          <a:ext cx="8230552" cy="3780550"/>
         </p:xfrm>
         <a:graphic>
           <a:graphicData uri="http://schemas.openxmlformats.org/drawingml/2006/diagram">
@@ -11596,8 +11626,8 @@
         </p:blipFill>
         <p:spPr>
           <a:xfrm>
-            <a:off x="363916" y="1197269"/>
-            <a:ext cx="7959242" cy="4740265"/>
+            <a:off x="363916" y="897952"/>
+            <a:ext cx="7959242" cy="3555199"/>
           </a:xfrm>
           <a:prstGeom prst="rect">
             <a:avLst/>
@@ -11702,8 +11732,8 @@
         </p:blipFill>
         <p:spPr>
           <a:xfrm>
-            <a:off x="202066" y="1845191"/>
-            <a:ext cx="8739868" cy="3739019"/>
+            <a:off x="202066" y="1383894"/>
+            <a:ext cx="8739868" cy="2804264"/>
           </a:xfrm>
           <a:prstGeom prst="rect">
             <a:avLst/>
@@ -11801,8 +11831,8 @@
         </p:blipFill>
         <p:spPr>
           <a:xfrm>
-            <a:off x="197985" y="534432"/>
-            <a:ext cx="8748030" cy="5789136"/>
+            <a:off x="197985" y="400824"/>
+            <a:ext cx="8748030" cy="4341852"/>
           </a:xfrm>
           <a:prstGeom prst="rect">
             <a:avLst/>
@@ -11907,8 +11937,8 @@
         </p:blipFill>
         <p:spPr>
           <a:xfrm>
-            <a:off x="1119213" y="1917182"/>
-            <a:ext cx="5430058" cy="2856482"/>
+            <a:off x="1119213" y="1437886"/>
+            <a:ext cx="5430058" cy="2142362"/>
           </a:xfrm>
           <a:prstGeom prst="rect">
             <a:avLst/>
@@ -12083,11 +12113,13 @@
         <p:spPr>
           <a:xfrm>
             <a:off x="-20712" y="0"/>
-            <a:ext cx="9164712" cy="836712"/>
+            <a:ext cx="9164712" cy="627534"/>
           </a:xfrm>
         </p:spPr>
         <p:txBody>
-          <a:bodyPr/>
+          <a:bodyPr>
+            <a:normAutofit fontScale="90000"/>
+          </a:bodyPr>
           <a:lstStyle/>
           <a:p>
             <a:r>
@@ -12202,8 +12234,8 @@
         </p:blipFill>
         <p:spPr>
           <a:xfrm>
-            <a:off x="363915" y="2205148"/>
-            <a:ext cx="8470119" cy="3314632"/>
+            <a:off x="363916" y="1653861"/>
+            <a:ext cx="8470119" cy="2485974"/>
           </a:xfrm>
           <a:prstGeom prst="rect">
             <a:avLst/>
@@ -12308,8 +12340,8 @@
         </p:blipFill>
         <p:spPr>
           <a:xfrm>
-            <a:off x="786658" y="1543722"/>
-            <a:ext cx="7570685" cy="3770556"/>
+            <a:off x="786659" y="1157792"/>
+            <a:ext cx="7570685" cy="2827917"/>
           </a:xfrm>
           <a:prstGeom prst="rect">
             <a:avLst/>
@@ -12414,8 +12446,8 @@
         </p:blipFill>
         <p:spPr>
           <a:xfrm>
-            <a:off x="1532309" y="1791284"/>
-            <a:ext cx="6079382" cy="3275432"/>
+            <a:off x="1532309" y="1343463"/>
+            <a:ext cx="6079382" cy="2456574"/>
           </a:xfrm>
           <a:prstGeom prst="rect">
             <a:avLst/>
@@ -12471,13 +12503,13 @@
         </p:nvSpPr>
         <p:spPr>
           <a:xfrm>
-            <a:off x="467544" y="1124744"/>
-            <a:ext cx="8676456" cy="5517232"/>
+            <a:off x="467544" y="843558"/>
+            <a:ext cx="8676456" cy="4137924"/>
           </a:xfrm>
         </p:spPr>
         <p:txBody>
           <a:bodyPr>
-            <a:normAutofit fontScale="85000" lnSpcReduction="10000"/>
+            <a:normAutofit fontScale="70000" lnSpcReduction="20000"/>
           </a:bodyPr>
           <a:lstStyle/>
           <a:p>
@@ -12731,13 +12763,13 @@
         </p:nvSpPr>
         <p:spPr>
           <a:xfrm>
-            <a:off x="827584" y="1124744"/>
-            <a:ext cx="3456384" cy="4525963"/>
+            <a:off x="827584" y="843558"/>
+            <a:ext cx="3456384" cy="3394472"/>
           </a:xfrm>
         </p:spPr>
         <p:txBody>
           <a:bodyPr>
-            <a:normAutofit/>
+            <a:normAutofit fontScale="92500" lnSpcReduction="20000"/>
           </a:bodyPr>
           <a:lstStyle/>
           <a:p>
@@ -12862,7 +12894,7 @@
         <p:spPr/>
         <p:txBody>
           <a:bodyPr>
-            <a:normAutofit/>
+            <a:normAutofit fontScale="90000"/>
           </a:bodyPr>
           <a:lstStyle/>
           <a:p>
@@ -12925,7 +12957,9 @@
         </p:nvSpPr>
         <p:spPr/>
         <p:txBody>
-          <a:bodyPr/>
+          <a:bodyPr>
+            <a:normAutofit fontScale="90000"/>
+          </a:bodyPr>
           <a:lstStyle/>
           <a:p>
             <a:r>
@@ -12944,8 +12978,8 @@
         </p:nvSpPr>
         <p:spPr>
           <a:xfrm>
-            <a:off x="1325543" y="2007187"/>
-            <a:ext cx="2520280" cy="864096"/>
+            <a:off x="1325543" y="1505390"/>
+            <a:ext cx="2520280" cy="648072"/>
           </a:xfrm>
           <a:prstGeom prst="roundRect">
             <a:avLst/>
@@ -12997,8 +13031,8 @@
         </p:nvSpPr>
         <p:spPr>
           <a:xfrm>
-            <a:off x="1341099" y="3645024"/>
-            <a:ext cx="2520280" cy="864096"/>
+            <a:off x="1341099" y="2733768"/>
+            <a:ext cx="2520280" cy="648072"/>
           </a:xfrm>
           <a:prstGeom prst="roundRect">
             <a:avLst/>
@@ -13050,8 +13084,8 @@
         </p:nvSpPr>
         <p:spPr>
           <a:xfrm>
-            <a:off x="4871283" y="2007187"/>
-            <a:ext cx="2520280" cy="864096"/>
+            <a:off x="4871283" y="1505390"/>
+            <a:ext cx="2520280" cy="648072"/>
           </a:xfrm>
           <a:prstGeom prst="roundRect">
             <a:avLst/>
@@ -13103,8 +13137,8 @@
         </p:nvSpPr>
         <p:spPr>
           <a:xfrm>
-            <a:off x="4886839" y="3645024"/>
-            <a:ext cx="2520280" cy="864096"/>
+            <a:off x="4886839" y="2733768"/>
+            <a:ext cx="2520280" cy="648072"/>
           </a:xfrm>
           <a:prstGeom prst="roundRect">
             <a:avLst/>
@@ -13156,7 +13190,7 @@
         </p:nvSpPr>
         <p:spPr>
           <a:xfrm>
-            <a:off x="395536" y="1052736"/>
+            <a:off x="395536" y="789553"/>
             <a:ext cx="8208912" cy="584775"/>
           </a:xfrm>
           <a:prstGeom prst="rect">
@@ -13240,7 +13274,7 @@
         <p:spPr/>
         <p:txBody>
           <a:bodyPr>
-            <a:normAutofit/>
+            <a:normAutofit fontScale="90000"/>
           </a:bodyPr>
           <a:lstStyle/>
           <a:p>
@@ -13266,8 +13300,8 @@
         </p:nvSpPr>
         <p:spPr>
           <a:xfrm>
-            <a:off x="0" y="1052736"/>
-            <a:ext cx="8939336" cy="5257800"/>
+            <a:off x="0" y="789552"/>
+            <a:ext cx="8939336" cy="3943350"/>
           </a:xfrm>
         </p:spPr>
         <p:txBody>
@@ -13635,11 +13669,13 @@
         <p:spPr>
           <a:xfrm>
             <a:off x="-20712" y="0"/>
-            <a:ext cx="9164712" cy="836712"/>
+            <a:ext cx="9164712" cy="627534"/>
           </a:xfrm>
         </p:spPr>
         <p:txBody>
-          <a:bodyPr/>
+          <a:bodyPr>
+            <a:normAutofit fontScale="90000"/>
+          </a:bodyPr>
           <a:lstStyle/>
           <a:p>
             <a:r>
@@ -13705,13 +13741,13 @@
         </p:nvSpPr>
         <p:spPr>
           <a:xfrm>
-            <a:off x="467544" y="1268760"/>
-            <a:ext cx="8229600" cy="4525963"/>
+            <a:off x="467544" y="951571"/>
+            <a:ext cx="8229600" cy="3394472"/>
           </a:xfrm>
         </p:spPr>
         <p:txBody>
           <a:bodyPr>
-            <a:normAutofit fontScale="92500"/>
+            <a:normAutofit fontScale="85000" lnSpcReduction="20000"/>
           </a:bodyPr>
           <a:lstStyle/>
           <a:p>
@@ -13779,7 +13815,9 @@
         </p:nvSpPr>
         <p:spPr/>
         <p:txBody>
-          <a:bodyPr/>
+          <a:bodyPr>
+            <a:normAutofit fontScale="90000"/>
+          </a:bodyPr>
           <a:lstStyle/>
           <a:p>
             <a:r>
@@ -13843,13 +13881,13 @@
         </p:nvSpPr>
         <p:spPr>
           <a:xfrm>
-            <a:off x="457200" y="836712"/>
-            <a:ext cx="8507288" cy="5289451"/>
+            <a:off x="457200" y="627534"/>
+            <a:ext cx="8507288" cy="3967088"/>
           </a:xfrm>
         </p:spPr>
         <p:txBody>
           <a:bodyPr>
-            <a:normAutofit fontScale="92500"/>
+            <a:normAutofit fontScale="85000" lnSpcReduction="20000"/>
           </a:bodyPr>
           <a:lstStyle/>
           <a:p>
